--- a/documentations/Diagrams/Diagrams Correction.pptx
+++ b/documentations/Diagrams/Diagrams Correction.pptx
@@ -8,6 +8,7 @@
     <p:sldId id="256" r:id="rId2"/>
     <p:sldId id="257" r:id="rId3"/>
     <p:sldId id="258" r:id="rId4"/>
+    <p:sldId id="259" r:id="rId5"/>
   </p:sldIdLst>
   <p:sldSz cx="12192000" cy="6858000"/>
   <p:notesSz cx="6858000" cy="9144000"/>
@@ -106,6 +107,11 @@
       </a:defRPr>
     </a:lvl9pPr>
   </p:defaultTextStyle>
+  <p:extLst>
+    <p:ext uri="{EFAFB233-063F-42B5-8137-9DF3F51BA10A}">
+      <p15:sldGuideLst xmlns:p15="http://schemas.microsoft.com/office/powerpoint/2012/main"/>
+    </p:ext>
+  </p:extLst>
 </p:presentation>
 </file>
 
@@ -256,7 +262,7 @@
           <a:p>
             <a:fld id="{DD90C6ED-4796-44A0-B3CD-7E934BDFF4EC}" type="datetimeFigureOut">
               <a:rPr lang="en-US" smtClean="0"/>
-              <a:t>09-Apr-20</a:t>
+              <a:t>10-Apr-20</a:t>
             </a:fld>
             <a:endParaRPr lang="en-US"/>
           </a:p>
@@ -454,7 +460,7 @@
           <a:p>
             <a:fld id="{DD90C6ED-4796-44A0-B3CD-7E934BDFF4EC}" type="datetimeFigureOut">
               <a:rPr lang="en-US" smtClean="0"/>
-              <a:t>09-Apr-20</a:t>
+              <a:t>10-Apr-20</a:t>
             </a:fld>
             <a:endParaRPr lang="en-US"/>
           </a:p>
@@ -662,7 +668,7 @@
           <a:p>
             <a:fld id="{DD90C6ED-4796-44A0-B3CD-7E934BDFF4EC}" type="datetimeFigureOut">
               <a:rPr lang="en-US" smtClean="0"/>
-              <a:t>09-Apr-20</a:t>
+              <a:t>10-Apr-20</a:t>
             </a:fld>
             <a:endParaRPr lang="en-US"/>
           </a:p>
@@ -860,7 +866,7 @@
           <a:p>
             <a:fld id="{DD90C6ED-4796-44A0-B3CD-7E934BDFF4EC}" type="datetimeFigureOut">
               <a:rPr lang="en-US" smtClean="0"/>
-              <a:t>09-Apr-20</a:t>
+              <a:t>10-Apr-20</a:t>
             </a:fld>
             <a:endParaRPr lang="en-US"/>
           </a:p>
@@ -1135,7 +1141,7 @@
           <a:p>
             <a:fld id="{DD90C6ED-4796-44A0-B3CD-7E934BDFF4EC}" type="datetimeFigureOut">
               <a:rPr lang="en-US" smtClean="0"/>
-              <a:t>09-Apr-20</a:t>
+              <a:t>10-Apr-20</a:t>
             </a:fld>
             <a:endParaRPr lang="en-US"/>
           </a:p>
@@ -1400,7 +1406,7 @@
           <a:p>
             <a:fld id="{DD90C6ED-4796-44A0-B3CD-7E934BDFF4EC}" type="datetimeFigureOut">
               <a:rPr lang="en-US" smtClean="0"/>
-              <a:t>09-Apr-20</a:t>
+              <a:t>10-Apr-20</a:t>
             </a:fld>
             <a:endParaRPr lang="en-US"/>
           </a:p>
@@ -1812,7 +1818,7 @@
           <a:p>
             <a:fld id="{DD90C6ED-4796-44A0-B3CD-7E934BDFF4EC}" type="datetimeFigureOut">
               <a:rPr lang="en-US" smtClean="0"/>
-              <a:t>09-Apr-20</a:t>
+              <a:t>10-Apr-20</a:t>
             </a:fld>
             <a:endParaRPr lang="en-US"/>
           </a:p>
@@ -1953,7 +1959,7 @@
           <a:p>
             <a:fld id="{DD90C6ED-4796-44A0-B3CD-7E934BDFF4EC}" type="datetimeFigureOut">
               <a:rPr lang="en-US" smtClean="0"/>
-              <a:t>09-Apr-20</a:t>
+              <a:t>10-Apr-20</a:t>
             </a:fld>
             <a:endParaRPr lang="en-US"/>
           </a:p>
@@ -2066,7 +2072,7 @@
           <a:p>
             <a:fld id="{DD90C6ED-4796-44A0-B3CD-7E934BDFF4EC}" type="datetimeFigureOut">
               <a:rPr lang="en-US" smtClean="0"/>
-              <a:t>09-Apr-20</a:t>
+              <a:t>10-Apr-20</a:t>
             </a:fld>
             <a:endParaRPr lang="en-US"/>
           </a:p>
@@ -2377,7 +2383,7 @@
           <a:p>
             <a:fld id="{DD90C6ED-4796-44A0-B3CD-7E934BDFF4EC}" type="datetimeFigureOut">
               <a:rPr lang="en-US" smtClean="0"/>
-              <a:t>09-Apr-20</a:t>
+              <a:t>10-Apr-20</a:t>
             </a:fld>
             <a:endParaRPr lang="en-US"/>
           </a:p>
@@ -2665,7 +2671,7 @@
           <a:p>
             <a:fld id="{DD90C6ED-4796-44A0-B3CD-7E934BDFF4EC}" type="datetimeFigureOut">
               <a:rPr lang="en-US" smtClean="0"/>
-              <a:t>09-Apr-20</a:t>
+              <a:t>10-Apr-20</a:t>
             </a:fld>
             <a:endParaRPr lang="en-US"/>
           </a:p>
@@ -2906,7 +2912,7 @@
           <a:p>
             <a:fld id="{DD90C6ED-4796-44A0-B3CD-7E934BDFF4EC}" type="datetimeFigureOut">
               <a:rPr lang="en-US" smtClean="0"/>
-              <a:t>09-Apr-20</a:t>
+              <a:t>10-Apr-20</a:t>
             </a:fld>
             <a:endParaRPr lang="en-US"/>
           </a:p>
@@ -4593,6 +4599,302 @@
 </p:sld>
 </file>
 
+<file path=ppt/slides/slide4.xml><?xml version="1.0" encoding="utf-8"?>
+<p:sld xmlns:a="http://schemas.openxmlformats.org/drawingml/2006/main" xmlns:r="http://schemas.openxmlformats.org/officeDocument/2006/relationships" xmlns:p="http://schemas.openxmlformats.org/presentationml/2006/main">
+  <p:cSld>
+    <p:spTree>
+      <p:nvGrpSpPr>
+        <p:cNvPr id="1" name=""/>
+        <p:cNvGrpSpPr/>
+        <p:nvPr/>
+      </p:nvGrpSpPr>
+      <p:grpSpPr>
+        <a:xfrm>
+          <a:off x="0" y="0"/>
+          <a:ext cx="0" cy="0"/>
+          <a:chOff x="0" y="0"/>
+          <a:chExt cx="0" cy="0"/>
+        </a:xfrm>
+      </p:grpSpPr>
+      <p:sp>
+        <p:nvSpPr>
+          <p:cNvPr id="2" name="Rectangle: Rounded Corners 1">
+            <a:extLst>
+              <a:ext uri="{FF2B5EF4-FFF2-40B4-BE49-F238E27FC236}">
+                <a16:creationId xmlns:a16="http://schemas.microsoft.com/office/drawing/2014/main" id="{4149B721-A307-42DE-B610-01E56A4E4C46}"/>
+              </a:ext>
+            </a:extLst>
+          </p:cNvPr>
+          <p:cNvSpPr/>
+          <p:nvPr/>
+        </p:nvSpPr>
+        <p:spPr>
+          <a:xfrm>
+            <a:off x="1864089" y="2530290"/>
+            <a:ext cx="2320285" cy="1141437"/>
+          </a:xfrm>
+          <a:prstGeom prst="roundRect">
+            <a:avLst/>
+          </a:prstGeom>
+          <a:ln w="76200">
+            <a:solidFill>
+              <a:schemeClr val="tx1"/>
+            </a:solidFill>
+          </a:ln>
+        </p:spPr>
+        <p:style>
+          <a:lnRef idx="2">
+            <a:schemeClr val="accent6"/>
+          </a:lnRef>
+          <a:fillRef idx="1">
+            <a:schemeClr val="lt1"/>
+          </a:fillRef>
+          <a:effectRef idx="0">
+            <a:schemeClr val="accent6"/>
+          </a:effectRef>
+          <a:fontRef idx="minor">
+            <a:schemeClr val="dk1"/>
+          </a:fontRef>
+        </p:style>
+        <p:txBody>
+          <a:bodyPr rtlCol="0" anchor="ctr"/>
+          <a:lstStyle/>
+          <a:p>
+            <a:pPr algn="ctr"/>
+            <a:r>
+              <a:rPr lang="en-US" dirty="0"/>
+              <a:t>Service Provider UI</a:t>
+            </a:r>
+          </a:p>
+        </p:txBody>
+      </p:sp>
+      <p:sp>
+        <p:nvSpPr>
+          <p:cNvPr id="3" name="Rectangle 2">
+            <a:extLst>
+              <a:ext uri="{FF2B5EF4-FFF2-40B4-BE49-F238E27FC236}">
+                <a16:creationId xmlns:a16="http://schemas.microsoft.com/office/drawing/2014/main" id="{9464B062-3EAD-45B2-927C-80BE6B0137FC}"/>
+              </a:ext>
+            </a:extLst>
+          </p:cNvPr>
+          <p:cNvSpPr/>
+          <p:nvPr/>
+        </p:nvSpPr>
+        <p:spPr>
+          <a:xfrm>
+            <a:off x="8534402" y="2589142"/>
+            <a:ext cx="2286000" cy="1023730"/>
+          </a:xfrm>
+          <a:prstGeom prst="rect">
+            <a:avLst/>
+          </a:prstGeom>
+        </p:spPr>
+        <p:style>
+          <a:lnRef idx="1">
+            <a:schemeClr val="accent4"/>
+          </a:lnRef>
+          <a:fillRef idx="2">
+            <a:schemeClr val="accent4"/>
+          </a:fillRef>
+          <a:effectRef idx="1">
+            <a:schemeClr val="accent4"/>
+          </a:effectRef>
+          <a:fontRef idx="minor">
+            <a:schemeClr val="dk1"/>
+          </a:fontRef>
+        </p:style>
+        <p:txBody>
+          <a:bodyPr rtlCol="0" anchor="ctr"/>
+          <a:lstStyle/>
+          <a:p>
+            <a:pPr algn="ctr"/>
+            <a:r>
+              <a:rPr lang="en-US" dirty="0"/>
+              <a:t>Payment</a:t>
+            </a:r>
+          </a:p>
+        </p:txBody>
+      </p:sp>
+      <p:cxnSp>
+        <p:nvCxnSpPr>
+          <p:cNvPr id="4" name="Connector: Elbow 3">
+            <a:extLst>
+              <a:ext uri="{FF2B5EF4-FFF2-40B4-BE49-F238E27FC236}">
+                <a16:creationId xmlns:a16="http://schemas.microsoft.com/office/drawing/2014/main" id="{C14A2922-E2E5-4680-B9D8-80B6A42453ED}"/>
+              </a:ext>
+            </a:extLst>
+          </p:cNvPr>
+          <p:cNvCxnSpPr>
+            <a:cxnSpLocks/>
+            <a:stCxn id="2" idx="0"/>
+            <a:endCxn id="3" idx="0"/>
+          </p:cNvCxnSpPr>
+          <p:nvPr/>
+        </p:nvCxnSpPr>
+        <p:spPr>
+          <a:xfrm rot="16200000" flipH="1">
+            <a:off x="6321391" y="-766869"/>
+            <a:ext cx="58852" cy="6653170"/>
+          </a:xfrm>
+          <a:prstGeom prst="bentConnector3">
+            <a:avLst>
+              <a:gd name="adj1" fmla="val -641757"/>
+            </a:avLst>
+          </a:prstGeom>
+          <a:ln w="38100">
+            <a:tailEnd type="triangle"/>
+          </a:ln>
+        </p:spPr>
+        <p:style>
+          <a:lnRef idx="1">
+            <a:schemeClr val="dk1"/>
+          </a:lnRef>
+          <a:fillRef idx="0">
+            <a:schemeClr val="dk1"/>
+          </a:fillRef>
+          <a:effectRef idx="0">
+            <a:schemeClr val="dk1"/>
+          </a:effectRef>
+          <a:fontRef idx="minor">
+            <a:schemeClr val="tx1"/>
+          </a:fontRef>
+        </p:style>
+      </p:cxnSp>
+      <p:cxnSp>
+        <p:nvCxnSpPr>
+          <p:cNvPr id="8" name="Straight Arrow Connector 7">
+            <a:extLst>
+              <a:ext uri="{FF2B5EF4-FFF2-40B4-BE49-F238E27FC236}">
+                <a16:creationId xmlns:a16="http://schemas.microsoft.com/office/drawing/2014/main" id="{4CF6C808-70AF-48AA-9355-88480EEEB222}"/>
+              </a:ext>
+            </a:extLst>
+          </p:cNvPr>
+          <p:cNvCxnSpPr>
+            <a:cxnSpLocks/>
+            <a:stCxn id="3" idx="1"/>
+            <a:endCxn id="2" idx="3"/>
+          </p:cNvCxnSpPr>
+          <p:nvPr/>
+        </p:nvCxnSpPr>
+        <p:spPr>
+          <a:xfrm flipH="1">
+            <a:off x="4184374" y="3101007"/>
+            <a:ext cx="4350028" cy="2"/>
+          </a:xfrm>
+          <a:prstGeom prst="straightConnector1">
+            <a:avLst/>
+          </a:prstGeom>
+          <a:ln w="38100">
+            <a:tailEnd type="triangle"/>
+          </a:ln>
+        </p:spPr>
+        <p:style>
+          <a:lnRef idx="1">
+            <a:schemeClr val="dk1"/>
+          </a:lnRef>
+          <a:fillRef idx="0">
+            <a:schemeClr val="dk1"/>
+          </a:fillRef>
+          <a:effectRef idx="0">
+            <a:schemeClr val="dk1"/>
+          </a:effectRef>
+          <a:fontRef idx="minor">
+            <a:schemeClr val="tx1"/>
+          </a:fontRef>
+        </p:style>
+      </p:cxnSp>
+      <p:sp>
+        <p:nvSpPr>
+          <p:cNvPr id="12" name="TextBox 11">
+            <a:extLst>
+              <a:ext uri="{FF2B5EF4-FFF2-40B4-BE49-F238E27FC236}">
+                <a16:creationId xmlns:a16="http://schemas.microsoft.com/office/drawing/2014/main" id="{2476D219-8B8F-41B8-A99B-B61B8024618A}"/>
+              </a:ext>
+            </a:extLst>
+          </p:cNvPr>
+          <p:cNvSpPr txBox="1"/>
+          <p:nvPr/>
+        </p:nvSpPr>
+        <p:spPr>
+          <a:xfrm>
+            <a:off x="4433522" y="1204148"/>
+            <a:ext cx="3834589" cy="923330"/>
+          </a:xfrm>
+          <a:prstGeom prst="rect">
+            <a:avLst/>
+          </a:prstGeom>
+          <a:noFill/>
+        </p:spPr>
+        <p:txBody>
+          <a:bodyPr wrap="square" rtlCol="0">
+            <a:spAutoFit/>
+          </a:bodyPr>
+          <a:lstStyle/>
+          <a:p>
+            <a:pPr algn="ctr"/>
+            <a:r>
+              <a:rPr lang="en-US" dirty="0"/>
+              <a:t>1. Get the list of payment that belongs to the service provider</a:t>
+            </a:r>
+          </a:p>
+          <a:p>
+            <a:pPr algn="ctr"/>
+            <a:r>
+              <a:rPr lang="en-US" dirty="0"/>
+              <a:t>[GET]</a:t>
+            </a:r>
+          </a:p>
+        </p:txBody>
+      </p:sp>
+      <p:sp>
+        <p:nvSpPr>
+          <p:cNvPr id="13" name="TextBox 12">
+            <a:extLst>
+              <a:ext uri="{FF2B5EF4-FFF2-40B4-BE49-F238E27FC236}">
+                <a16:creationId xmlns:a16="http://schemas.microsoft.com/office/drawing/2014/main" id="{CDE2340B-1C28-4DC3-88D6-C3536B1C073B}"/>
+              </a:ext>
+            </a:extLst>
+          </p:cNvPr>
+          <p:cNvSpPr txBox="1"/>
+          <p:nvPr/>
+        </p:nvSpPr>
+        <p:spPr>
+          <a:xfrm>
+            <a:off x="4442093" y="3101007"/>
+            <a:ext cx="3834589" cy="646331"/>
+          </a:xfrm>
+          <a:prstGeom prst="rect">
+            <a:avLst/>
+          </a:prstGeom>
+          <a:noFill/>
+        </p:spPr>
+        <p:txBody>
+          <a:bodyPr wrap="square" rtlCol="0">
+            <a:spAutoFit/>
+          </a:bodyPr>
+          <a:lstStyle/>
+          <a:p>
+            <a:pPr algn="ctr"/>
+            <a:r>
+              <a:rPr lang="en-US" dirty="0"/>
+              <a:t>2. Return the list of payments made to service provider.</a:t>
+            </a:r>
+          </a:p>
+        </p:txBody>
+      </p:sp>
+    </p:spTree>
+    <p:extLst>
+      <p:ext uri="{BB962C8B-B14F-4D97-AF65-F5344CB8AC3E}">
+        <p14:creationId xmlns:p14="http://schemas.microsoft.com/office/powerpoint/2010/main" val="1435270145"/>
+      </p:ext>
+    </p:extLst>
+  </p:cSld>
+  <p:clrMapOvr>
+    <a:masterClrMapping/>
+  </p:clrMapOvr>
+</p:sld>
+</file>
+
 <file path=ppt/theme/theme1.xml><?xml version="1.0" encoding="utf-8"?>
 <a:theme xmlns:a="http://schemas.openxmlformats.org/drawingml/2006/main" name="Office Theme">
   <a:themeElements>

--- a/documentations/Diagrams/Diagrams Correction.pptx
+++ b/documentations/Diagrams/Diagrams Correction.pptx
@@ -9,6 +9,8 @@
     <p:sldId id="257" r:id="rId3"/>
     <p:sldId id="258" r:id="rId4"/>
     <p:sldId id="259" r:id="rId5"/>
+    <p:sldId id="261" r:id="rId6"/>
+    <p:sldId id="262" r:id="rId7"/>
   </p:sldIdLst>
   <p:sldSz cx="12192000" cy="6858000"/>
   <p:notesSz cx="6858000" cy="9144000"/>
@@ -4895,6 +4897,1061 @@
 </p:sld>
 </file>
 
+<file path=ppt/slides/slide5.xml><?xml version="1.0" encoding="utf-8"?>
+<p:sld xmlns:a="http://schemas.openxmlformats.org/drawingml/2006/main" xmlns:r="http://schemas.openxmlformats.org/officeDocument/2006/relationships" xmlns:p="http://schemas.openxmlformats.org/presentationml/2006/main">
+  <p:cSld>
+    <p:spTree>
+      <p:nvGrpSpPr>
+        <p:cNvPr id="1" name=""/>
+        <p:cNvGrpSpPr/>
+        <p:nvPr/>
+      </p:nvGrpSpPr>
+      <p:grpSpPr>
+        <a:xfrm>
+          <a:off x="0" y="0"/>
+          <a:ext cx="0" cy="0"/>
+          <a:chOff x="0" y="0"/>
+          <a:chExt cx="0" cy="0"/>
+        </a:xfrm>
+      </p:grpSpPr>
+      <p:sp>
+        <p:nvSpPr>
+          <p:cNvPr id="2" name="Rectangle: Rounded Corners 1">
+            <a:extLst>
+              <a:ext uri="{FF2B5EF4-FFF2-40B4-BE49-F238E27FC236}">
+                <a16:creationId xmlns:a16="http://schemas.microsoft.com/office/drawing/2014/main" id="{4149B721-A307-42DE-B610-01E56A4E4C46}"/>
+              </a:ext>
+            </a:extLst>
+          </p:cNvPr>
+          <p:cNvSpPr/>
+          <p:nvPr/>
+        </p:nvSpPr>
+        <p:spPr>
+          <a:xfrm>
+            <a:off x="1953541" y="2212238"/>
+            <a:ext cx="2320285" cy="1141437"/>
+          </a:xfrm>
+          <a:prstGeom prst="roundRect">
+            <a:avLst/>
+          </a:prstGeom>
+          <a:ln w="76200">
+            <a:solidFill>
+              <a:schemeClr val="tx1"/>
+            </a:solidFill>
+          </a:ln>
+        </p:spPr>
+        <p:style>
+          <a:lnRef idx="2">
+            <a:schemeClr val="accent6"/>
+          </a:lnRef>
+          <a:fillRef idx="1">
+            <a:schemeClr val="lt1"/>
+          </a:fillRef>
+          <a:effectRef idx="0">
+            <a:schemeClr val="accent6"/>
+          </a:effectRef>
+          <a:fontRef idx="minor">
+            <a:schemeClr val="dk1"/>
+          </a:fontRef>
+        </p:style>
+        <p:txBody>
+          <a:bodyPr rtlCol="0" anchor="ctr"/>
+          <a:lstStyle/>
+          <a:p>
+            <a:pPr algn="ctr"/>
+            <a:r>
+              <a:rPr lang="en-US" dirty="0"/>
+              <a:t>Service Provider UI</a:t>
+            </a:r>
+          </a:p>
+        </p:txBody>
+      </p:sp>
+      <p:sp>
+        <p:nvSpPr>
+          <p:cNvPr id="3" name="Rectangle 2">
+            <a:extLst>
+              <a:ext uri="{FF2B5EF4-FFF2-40B4-BE49-F238E27FC236}">
+                <a16:creationId xmlns:a16="http://schemas.microsoft.com/office/drawing/2014/main" id="{9464B062-3EAD-45B2-927C-80BE6B0137FC}"/>
+              </a:ext>
+            </a:extLst>
+          </p:cNvPr>
+          <p:cNvSpPr/>
+          <p:nvPr/>
+        </p:nvSpPr>
+        <p:spPr>
+          <a:xfrm>
+            <a:off x="8133521" y="2271091"/>
+            <a:ext cx="2286000" cy="1023730"/>
+          </a:xfrm>
+          <a:prstGeom prst="rect">
+            <a:avLst/>
+          </a:prstGeom>
+        </p:spPr>
+        <p:style>
+          <a:lnRef idx="1">
+            <a:schemeClr val="accent4"/>
+          </a:lnRef>
+          <a:fillRef idx="2">
+            <a:schemeClr val="accent4"/>
+          </a:fillRef>
+          <a:effectRef idx="1">
+            <a:schemeClr val="accent4"/>
+          </a:effectRef>
+          <a:fontRef idx="minor">
+            <a:schemeClr val="dk1"/>
+          </a:fontRef>
+        </p:style>
+        <p:txBody>
+          <a:bodyPr rtlCol="0" anchor="ctr"/>
+          <a:lstStyle/>
+          <a:p>
+            <a:pPr algn="ctr"/>
+            <a:r>
+              <a:rPr lang="en-US" dirty="0"/>
+              <a:t>Booking</a:t>
+            </a:r>
+          </a:p>
+        </p:txBody>
+      </p:sp>
+      <p:cxnSp>
+        <p:nvCxnSpPr>
+          <p:cNvPr id="4" name="Connector: Elbow 3">
+            <a:extLst>
+              <a:ext uri="{FF2B5EF4-FFF2-40B4-BE49-F238E27FC236}">
+                <a16:creationId xmlns:a16="http://schemas.microsoft.com/office/drawing/2014/main" id="{C14A2922-E2E5-4680-B9D8-80B6A42453ED}"/>
+              </a:ext>
+            </a:extLst>
+          </p:cNvPr>
+          <p:cNvCxnSpPr>
+            <a:cxnSpLocks/>
+            <a:stCxn id="2" idx="0"/>
+            <a:endCxn id="3" idx="0"/>
+          </p:cNvCxnSpPr>
+          <p:nvPr/>
+        </p:nvCxnSpPr>
+        <p:spPr>
+          <a:xfrm rot="16200000" flipH="1">
+            <a:off x="6165675" y="-839754"/>
+            <a:ext cx="58853" cy="6162837"/>
+          </a:xfrm>
+          <a:prstGeom prst="bentConnector3">
+            <a:avLst>
+              <a:gd name="adj1" fmla="val -388425"/>
+            </a:avLst>
+          </a:prstGeom>
+          <a:ln w="38100">
+            <a:tailEnd type="triangle"/>
+          </a:ln>
+        </p:spPr>
+        <p:style>
+          <a:lnRef idx="1">
+            <a:schemeClr val="dk1"/>
+          </a:lnRef>
+          <a:fillRef idx="0">
+            <a:schemeClr val="dk1"/>
+          </a:fillRef>
+          <a:effectRef idx="0">
+            <a:schemeClr val="dk1"/>
+          </a:effectRef>
+          <a:fontRef idx="minor">
+            <a:schemeClr val="tx1"/>
+          </a:fontRef>
+        </p:style>
+      </p:cxnSp>
+      <p:cxnSp>
+        <p:nvCxnSpPr>
+          <p:cNvPr id="8" name="Straight Arrow Connector 7">
+            <a:extLst>
+              <a:ext uri="{FF2B5EF4-FFF2-40B4-BE49-F238E27FC236}">
+                <a16:creationId xmlns:a16="http://schemas.microsoft.com/office/drawing/2014/main" id="{4CF6C808-70AF-48AA-9355-88480EEEB222}"/>
+              </a:ext>
+            </a:extLst>
+          </p:cNvPr>
+          <p:cNvCxnSpPr>
+            <a:cxnSpLocks/>
+            <a:stCxn id="3" idx="1"/>
+            <a:endCxn id="2" idx="3"/>
+          </p:cNvCxnSpPr>
+          <p:nvPr/>
+        </p:nvCxnSpPr>
+        <p:spPr>
+          <a:xfrm flipH="1">
+            <a:off x="4273826" y="2782956"/>
+            <a:ext cx="3859695" cy="1"/>
+          </a:xfrm>
+          <a:prstGeom prst="straightConnector1">
+            <a:avLst/>
+          </a:prstGeom>
+          <a:ln w="38100">
+            <a:tailEnd type="triangle"/>
+          </a:ln>
+        </p:spPr>
+        <p:style>
+          <a:lnRef idx="1">
+            <a:schemeClr val="dk1"/>
+          </a:lnRef>
+          <a:fillRef idx="0">
+            <a:schemeClr val="dk1"/>
+          </a:fillRef>
+          <a:effectRef idx="0">
+            <a:schemeClr val="dk1"/>
+          </a:effectRef>
+          <a:fontRef idx="minor">
+            <a:schemeClr val="tx1"/>
+          </a:fontRef>
+        </p:style>
+      </p:cxnSp>
+      <p:sp>
+        <p:nvSpPr>
+          <p:cNvPr id="12" name="TextBox 11">
+            <a:extLst>
+              <a:ext uri="{FF2B5EF4-FFF2-40B4-BE49-F238E27FC236}">
+                <a16:creationId xmlns:a16="http://schemas.microsoft.com/office/drawing/2014/main" id="{2476D219-8B8F-41B8-A99B-B61B8024618A}"/>
+              </a:ext>
+            </a:extLst>
+          </p:cNvPr>
+          <p:cNvSpPr txBox="1"/>
+          <p:nvPr/>
+        </p:nvSpPr>
+        <p:spPr>
+          <a:xfrm>
+            <a:off x="3951473" y="1188507"/>
+            <a:ext cx="3834589" cy="646331"/>
+          </a:xfrm>
+          <a:prstGeom prst="rect">
+            <a:avLst/>
+          </a:prstGeom>
+          <a:noFill/>
+        </p:spPr>
+        <p:txBody>
+          <a:bodyPr wrap="square" rtlCol="0">
+            <a:spAutoFit/>
+          </a:bodyPr>
+          <a:lstStyle/>
+          <a:p>
+            <a:pPr algn="ctr"/>
+            <a:r>
+              <a:rPr lang="en-US" dirty="0"/>
+              <a:t>1. Get all open bookings</a:t>
+            </a:r>
+          </a:p>
+          <a:p>
+            <a:pPr algn="ctr"/>
+            <a:r>
+              <a:rPr lang="en-US" dirty="0"/>
+              <a:t>[GET]</a:t>
+            </a:r>
+          </a:p>
+        </p:txBody>
+      </p:sp>
+      <p:sp>
+        <p:nvSpPr>
+          <p:cNvPr id="14" name="Rectangle 13">
+            <a:extLst>
+              <a:ext uri="{FF2B5EF4-FFF2-40B4-BE49-F238E27FC236}">
+                <a16:creationId xmlns:a16="http://schemas.microsoft.com/office/drawing/2014/main" id="{C34860E1-EBBB-4FEA-BE03-7F56FDD92A9C}"/>
+              </a:ext>
+            </a:extLst>
+          </p:cNvPr>
+          <p:cNvSpPr/>
+          <p:nvPr/>
+        </p:nvSpPr>
+        <p:spPr>
+          <a:xfrm>
+            <a:off x="8133521" y="3874308"/>
+            <a:ext cx="2286000" cy="1023730"/>
+          </a:xfrm>
+          <a:prstGeom prst="rect">
+            <a:avLst/>
+          </a:prstGeom>
+        </p:spPr>
+        <p:style>
+          <a:lnRef idx="1">
+            <a:schemeClr val="accent4"/>
+          </a:lnRef>
+          <a:fillRef idx="2">
+            <a:schemeClr val="accent4"/>
+          </a:fillRef>
+          <a:effectRef idx="1">
+            <a:schemeClr val="accent4"/>
+          </a:effectRef>
+          <a:fontRef idx="minor">
+            <a:schemeClr val="dk1"/>
+          </a:fontRef>
+        </p:style>
+        <p:txBody>
+          <a:bodyPr rtlCol="0" anchor="ctr"/>
+          <a:lstStyle/>
+          <a:p>
+            <a:pPr algn="ctr"/>
+            <a:r>
+              <a:rPr lang="en-US" dirty="0"/>
+              <a:t>Customer</a:t>
+            </a:r>
+          </a:p>
+        </p:txBody>
+      </p:sp>
+      <p:cxnSp>
+        <p:nvCxnSpPr>
+          <p:cNvPr id="35" name="Connector: Elbow 34">
+            <a:extLst>
+              <a:ext uri="{FF2B5EF4-FFF2-40B4-BE49-F238E27FC236}">
+                <a16:creationId xmlns:a16="http://schemas.microsoft.com/office/drawing/2014/main" id="{2466A680-21B3-49BF-BEB9-45CD7E8F26F0}"/>
+              </a:ext>
+            </a:extLst>
+          </p:cNvPr>
+          <p:cNvCxnSpPr>
+            <a:cxnSpLocks/>
+            <a:stCxn id="14" idx="1"/>
+            <a:endCxn id="2" idx="2"/>
+          </p:cNvCxnSpPr>
+          <p:nvPr/>
+        </p:nvCxnSpPr>
+        <p:spPr>
+          <a:xfrm rot="10800000">
+            <a:off x="3113685" y="3353675"/>
+            <a:ext cx="5019837" cy="1032498"/>
+          </a:xfrm>
+          <a:prstGeom prst="bentConnector2">
+            <a:avLst/>
+          </a:prstGeom>
+          <a:ln w="38100">
+            <a:tailEnd type="triangle"/>
+          </a:ln>
+        </p:spPr>
+        <p:style>
+          <a:lnRef idx="1">
+            <a:schemeClr val="dk1"/>
+          </a:lnRef>
+          <a:fillRef idx="0">
+            <a:schemeClr val="dk1"/>
+          </a:fillRef>
+          <a:effectRef idx="0">
+            <a:schemeClr val="dk1"/>
+          </a:effectRef>
+          <a:fontRef idx="minor">
+            <a:schemeClr val="tx1"/>
+          </a:fontRef>
+        </p:style>
+      </p:cxnSp>
+      <p:cxnSp>
+        <p:nvCxnSpPr>
+          <p:cNvPr id="40" name="Connector: Elbow 39">
+            <a:extLst>
+              <a:ext uri="{FF2B5EF4-FFF2-40B4-BE49-F238E27FC236}">
+                <a16:creationId xmlns:a16="http://schemas.microsoft.com/office/drawing/2014/main" id="{8E25BC9F-187B-4743-83D1-747870C448DA}"/>
+              </a:ext>
+            </a:extLst>
+          </p:cNvPr>
+          <p:cNvCxnSpPr>
+            <a:cxnSpLocks/>
+            <a:endCxn id="14" idx="2"/>
+          </p:cNvCxnSpPr>
+          <p:nvPr/>
+        </p:nvCxnSpPr>
+        <p:spPr>
+          <a:xfrm>
+            <a:off x="2385391" y="3353675"/>
+            <a:ext cx="6891130" cy="1544363"/>
+          </a:xfrm>
+          <a:prstGeom prst="bentConnector4">
+            <a:avLst>
+              <a:gd name="adj1" fmla="val 25"/>
+              <a:gd name="adj2" fmla="val 114802"/>
+            </a:avLst>
+          </a:prstGeom>
+          <a:ln w="38100">
+            <a:tailEnd type="triangle"/>
+          </a:ln>
+        </p:spPr>
+        <p:style>
+          <a:lnRef idx="1">
+            <a:schemeClr val="dk1"/>
+          </a:lnRef>
+          <a:fillRef idx="0">
+            <a:schemeClr val="dk1"/>
+          </a:fillRef>
+          <a:effectRef idx="0">
+            <a:schemeClr val="dk1"/>
+          </a:effectRef>
+          <a:fontRef idx="minor">
+            <a:schemeClr val="tx1"/>
+          </a:fontRef>
+        </p:style>
+      </p:cxnSp>
+      <p:sp>
+        <p:nvSpPr>
+          <p:cNvPr id="49" name="TextBox 48">
+            <a:extLst>
+              <a:ext uri="{FF2B5EF4-FFF2-40B4-BE49-F238E27FC236}">
+                <a16:creationId xmlns:a16="http://schemas.microsoft.com/office/drawing/2014/main" id="{C350E2C6-0702-46D9-958A-62CF833605A5}"/>
+              </a:ext>
+            </a:extLst>
+          </p:cNvPr>
+          <p:cNvSpPr txBox="1"/>
+          <p:nvPr/>
+        </p:nvSpPr>
+        <p:spPr>
+          <a:xfrm>
+            <a:off x="4080681" y="2329945"/>
+            <a:ext cx="3834589" cy="369332"/>
+          </a:xfrm>
+          <a:prstGeom prst="rect">
+            <a:avLst/>
+          </a:prstGeom>
+          <a:noFill/>
+        </p:spPr>
+        <p:txBody>
+          <a:bodyPr wrap="square" rtlCol="0">
+            <a:spAutoFit/>
+          </a:bodyPr>
+          <a:lstStyle/>
+          <a:p>
+            <a:pPr algn="ctr"/>
+            <a:r>
+              <a:rPr lang="en-US" dirty="0"/>
+              <a:t>2. Return list of open bookings </a:t>
+            </a:r>
+          </a:p>
+        </p:txBody>
+      </p:sp>
+      <p:sp>
+        <p:nvSpPr>
+          <p:cNvPr id="54" name="TextBox 53">
+            <a:extLst>
+              <a:ext uri="{FF2B5EF4-FFF2-40B4-BE49-F238E27FC236}">
+                <a16:creationId xmlns:a16="http://schemas.microsoft.com/office/drawing/2014/main" id="{D8D9CAEE-E9CE-45C7-8715-2EDC8CB62254}"/>
+              </a:ext>
+            </a:extLst>
+          </p:cNvPr>
+          <p:cNvSpPr txBox="1"/>
+          <p:nvPr/>
+        </p:nvSpPr>
+        <p:spPr>
+          <a:xfrm>
+            <a:off x="2901239" y="5145590"/>
+            <a:ext cx="3834589" cy="646331"/>
+          </a:xfrm>
+          <a:prstGeom prst="rect">
+            <a:avLst/>
+          </a:prstGeom>
+          <a:noFill/>
+        </p:spPr>
+        <p:txBody>
+          <a:bodyPr wrap="square" rtlCol="0">
+            <a:spAutoFit/>
+          </a:bodyPr>
+          <a:lstStyle/>
+          <a:p>
+            <a:pPr algn="ctr"/>
+            <a:r>
+              <a:rPr lang="en-US" dirty="0"/>
+              <a:t>3. Get customer information</a:t>
+            </a:r>
+          </a:p>
+          <a:p>
+            <a:pPr algn="ctr"/>
+            <a:r>
+              <a:rPr lang="en-US" dirty="0"/>
+              <a:t>[GET]</a:t>
+            </a:r>
+          </a:p>
+        </p:txBody>
+      </p:sp>
+      <p:sp>
+        <p:nvSpPr>
+          <p:cNvPr id="55" name="TextBox 54">
+            <a:extLst>
+              <a:ext uri="{FF2B5EF4-FFF2-40B4-BE49-F238E27FC236}">
+                <a16:creationId xmlns:a16="http://schemas.microsoft.com/office/drawing/2014/main" id="{726936F3-1325-45D4-9130-4B889CE85580}"/>
+              </a:ext>
+            </a:extLst>
+          </p:cNvPr>
+          <p:cNvSpPr txBox="1"/>
+          <p:nvPr/>
+        </p:nvSpPr>
+        <p:spPr>
+          <a:xfrm>
+            <a:off x="3488195" y="3924393"/>
+            <a:ext cx="3834589" cy="369332"/>
+          </a:xfrm>
+          <a:prstGeom prst="rect">
+            <a:avLst/>
+          </a:prstGeom>
+          <a:noFill/>
+        </p:spPr>
+        <p:txBody>
+          <a:bodyPr wrap="square" rtlCol="0">
+            <a:spAutoFit/>
+          </a:bodyPr>
+          <a:lstStyle/>
+          <a:p>
+            <a:pPr algn="ctr"/>
+            <a:r>
+              <a:rPr lang="en-US" dirty="0"/>
+              <a:t>4. Return customer information</a:t>
+            </a:r>
+          </a:p>
+        </p:txBody>
+      </p:sp>
+    </p:spTree>
+    <p:extLst>
+      <p:ext uri="{BB962C8B-B14F-4D97-AF65-F5344CB8AC3E}">
+        <p14:creationId xmlns:p14="http://schemas.microsoft.com/office/powerpoint/2010/main" val="404953403"/>
+      </p:ext>
+    </p:extLst>
+  </p:cSld>
+  <p:clrMapOvr>
+    <a:masterClrMapping/>
+  </p:clrMapOvr>
+</p:sld>
+</file>
+
+<file path=ppt/slides/slide6.xml><?xml version="1.0" encoding="utf-8"?>
+<p:sld xmlns:a="http://schemas.openxmlformats.org/drawingml/2006/main" xmlns:r="http://schemas.openxmlformats.org/officeDocument/2006/relationships" xmlns:p="http://schemas.openxmlformats.org/presentationml/2006/main">
+  <p:cSld>
+    <p:spTree>
+      <p:nvGrpSpPr>
+        <p:cNvPr id="1" name=""/>
+        <p:cNvGrpSpPr/>
+        <p:nvPr/>
+      </p:nvGrpSpPr>
+      <p:grpSpPr>
+        <a:xfrm>
+          <a:off x="0" y="0"/>
+          <a:ext cx="0" cy="0"/>
+          <a:chOff x="0" y="0"/>
+          <a:chExt cx="0" cy="0"/>
+        </a:xfrm>
+      </p:grpSpPr>
+      <p:sp>
+        <p:nvSpPr>
+          <p:cNvPr id="2" name="Rectangle: Rounded Corners 1">
+            <a:extLst>
+              <a:ext uri="{FF2B5EF4-FFF2-40B4-BE49-F238E27FC236}">
+                <a16:creationId xmlns:a16="http://schemas.microsoft.com/office/drawing/2014/main" id="{4149B721-A307-42DE-B610-01E56A4E4C46}"/>
+              </a:ext>
+            </a:extLst>
+          </p:cNvPr>
+          <p:cNvSpPr/>
+          <p:nvPr/>
+        </p:nvSpPr>
+        <p:spPr>
+          <a:xfrm>
+            <a:off x="1953541" y="2212238"/>
+            <a:ext cx="2320285" cy="1141437"/>
+          </a:xfrm>
+          <a:prstGeom prst="roundRect">
+            <a:avLst/>
+          </a:prstGeom>
+          <a:ln w="76200">
+            <a:solidFill>
+              <a:schemeClr val="tx1"/>
+            </a:solidFill>
+          </a:ln>
+        </p:spPr>
+        <p:style>
+          <a:lnRef idx="2">
+            <a:schemeClr val="accent6"/>
+          </a:lnRef>
+          <a:fillRef idx="1">
+            <a:schemeClr val="lt1"/>
+          </a:fillRef>
+          <a:effectRef idx="0">
+            <a:schemeClr val="accent6"/>
+          </a:effectRef>
+          <a:fontRef idx="minor">
+            <a:schemeClr val="dk1"/>
+          </a:fontRef>
+        </p:style>
+        <p:txBody>
+          <a:bodyPr rtlCol="0" anchor="ctr"/>
+          <a:lstStyle/>
+          <a:p>
+            <a:pPr algn="ctr"/>
+            <a:r>
+              <a:rPr lang="en-US" dirty="0"/>
+              <a:t>Customer UI</a:t>
+            </a:r>
+          </a:p>
+        </p:txBody>
+      </p:sp>
+      <p:sp>
+        <p:nvSpPr>
+          <p:cNvPr id="3" name="Rectangle 2">
+            <a:extLst>
+              <a:ext uri="{FF2B5EF4-FFF2-40B4-BE49-F238E27FC236}">
+                <a16:creationId xmlns:a16="http://schemas.microsoft.com/office/drawing/2014/main" id="{9464B062-3EAD-45B2-927C-80BE6B0137FC}"/>
+              </a:ext>
+            </a:extLst>
+          </p:cNvPr>
+          <p:cNvSpPr/>
+          <p:nvPr/>
+        </p:nvSpPr>
+        <p:spPr>
+          <a:xfrm>
+            <a:off x="8133521" y="2271091"/>
+            <a:ext cx="2286000" cy="1023730"/>
+          </a:xfrm>
+          <a:prstGeom prst="rect">
+            <a:avLst/>
+          </a:prstGeom>
+        </p:spPr>
+        <p:style>
+          <a:lnRef idx="1">
+            <a:schemeClr val="accent4"/>
+          </a:lnRef>
+          <a:fillRef idx="2">
+            <a:schemeClr val="accent4"/>
+          </a:fillRef>
+          <a:effectRef idx="1">
+            <a:schemeClr val="accent4"/>
+          </a:effectRef>
+          <a:fontRef idx="minor">
+            <a:schemeClr val="dk1"/>
+          </a:fontRef>
+        </p:style>
+        <p:txBody>
+          <a:bodyPr rtlCol="0" anchor="ctr"/>
+          <a:lstStyle/>
+          <a:p>
+            <a:pPr algn="ctr"/>
+            <a:r>
+              <a:rPr lang="en-US" dirty="0"/>
+              <a:t>Booking</a:t>
+            </a:r>
+          </a:p>
+        </p:txBody>
+      </p:sp>
+      <p:cxnSp>
+        <p:nvCxnSpPr>
+          <p:cNvPr id="4" name="Connector: Elbow 3">
+            <a:extLst>
+              <a:ext uri="{FF2B5EF4-FFF2-40B4-BE49-F238E27FC236}">
+                <a16:creationId xmlns:a16="http://schemas.microsoft.com/office/drawing/2014/main" id="{C14A2922-E2E5-4680-B9D8-80B6A42453ED}"/>
+              </a:ext>
+            </a:extLst>
+          </p:cNvPr>
+          <p:cNvCxnSpPr>
+            <a:cxnSpLocks/>
+            <a:stCxn id="2" idx="0"/>
+            <a:endCxn id="3" idx="0"/>
+          </p:cNvCxnSpPr>
+          <p:nvPr/>
+        </p:nvCxnSpPr>
+        <p:spPr>
+          <a:xfrm rot="16200000" flipH="1">
+            <a:off x="6165675" y="-839754"/>
+            <a:ext cx="58853" cy="6162837"/>
+          </a:xfrm>
+          <a:prstGeom prst="bentConnector3">
+            <a:avLst>
+              <a:gd name="adj1" fmla="val -388425"/>
+            </a:avLst>
+          </a:prstGeom>
+          <a:ln w="38100">
+            <a:tailEnd type="triangle"/>
+          </a:ln>
+        </p:spPr>
+        <p:style>
+          <a:lnRef idx="1">
+            <a:schemeClr val="dk1"/>
+          </a:lnRef>
+          <a:fillRef idx="0">
+            <a:schemeClr val="dk1"/>
+          </a:fillRef>
+          <a:effectRef idx="0">
+            <a:schemeClr val="dk1"/>
+          </a:effectRef>
+          <a:fontRef idx="minor">
+            <a:schemeClr val="tx1"/>
+          </a:fontRef>
+        </p:style>
+      </p:cxnSp>
+      <p:cxnSp>
+        <p:nvCxnSpPr>
+          <p:cNvPr id="8" name="Straight Arrow Connector 7">
+            <a:extLst>
+              <a:ext uri="{FF2B5EF4-FFF2-40B4-BE49-F238E27FC236}">
+                <a16:creationId xmlns:a16="http://schemas.microsoft.com/office/drawing/2014/main" id="{4CF6C808-70AF-48AA-9355-88480EEEB222}"/>
+              </a:ext>
+            </a:extLst>
+          </p:cNvPr>
+          <p:cNvCxnSpPr>
+            <a:cxnSpLocks/>
+            <a:stCxn id="3" idx="1"/>
+            <a:endCxn id="2" idx="3"/>
+          </p:cNvCxnSpPr>
+          <p:nvPr/>
+        </p:nvCxnSpPr>
+        <p:spPr>
+          <a:xfrm flipH="1">
+            <a:off x="4273826" y="2782956"/>
+            <a:ext cx="3859695" cy="1"/>
+          </a:xfrm>
+          <a:prstGeom prst="straightConnector1">
+            <a:avLst/>
+          </a:prstGeom>
+          <a:ln w="38100">
+            <a:tailEnd type="triangle"/>
+          </a:ln>
+        </p:spPr>
+        <p:style>
+          <a:lnRef idx="1">
+            <a:schemeClr val="dk1"/>
+          </a:lnRef>
+          <a:fillRef idx="0">
+            <a:schemeClr val="dk1"/>
+          </a:fillRef>
+          <a:effectRef idx="0">
+            <a:schemeClr val="dk1"/>
+          </a:effectRef>
+          <a:fontRef idx="minor">
+            <a:schemeClr val="tx1"/>
+          </a:fontRef>
+        </p:style>
+      </p:cxnSp>
+      <p:sp>
+        <p:nvSpPr>
+          <p:cNvPr id="12" name="TextBox 11">
+            <a:extLst>
+              <a:ext uri="{FF2B5EF4-FFF2-40B4-BE49-F238E27FC236}">
+                <a16:creationId xmlns:a16="http://schemas.microsoft.com/office/drawing/2014/main" id="{2476D219-8B8F-41B8-A99B-B61B8024618A}"/>
+              </a:ext>
+            </a:extLst>
+          </p:cNvPr>
+          <p:cNvSpPr txBox="1"/>
+          <p:nvPr/>
+        </p:nvSpPr>
+        <p:spPr>
+          <a:xfrm>
+            <a:off x="3951473" y="1188507"/>
+            <a:ext cx="3834589" cy="646331"/>
+          </a:xfrm>
+          <a:prstGeom prst="rect">
+            <a:avLst/>
+          </a:prstGeom>
+          <a:noFill/>
+        </p:spPr>
+        <p:txBody>
+          <a:bodyPr wrap="square" rtlCol="0">
+            <a:spAutoFit/>
+          </a:bodyPr>
+          <a:lstStyle/>
+          <a:p>
+            <a:pPr algn="ctr"/>
+            <a:r>
+              <a:rPr lang="en-US" dirty="0"/>
+              <a:t>1. Get all open bookings</a:t>
+            </a:r>
+          </a:p>
+          <a:p>
+            <a:pPr algn="ctr"/>
+            <a:r>
+              <a:rPr lang="en-US" dirty="0"/>
+              <a:t>[GET]</a:t>
+            </a:r>
+          </a:p>
+        </p:txBody>
+      </p:sp>
+      <p:sp>
+        <p:nvSpPr>
+          <p:cNvPr id="14" name="Rectangle 13">
+            <a:extLst>
+              <a:ext uri="{FF2B5EF4-FFF2-40B4-BE49-F238E27FC236}">
+                <a16:creationId xmlns:a16="http://schemas.microsoft.com/office/drawing/2014/main" id="{C34860E1-EBBB-4FEA-BE03-7F56FDD92A9C}"/>
+              </a:ext>
+            </a:extLst>
+          </p:cNvPr>
+          <p:cNvSpPr/>
+          <p:nvPr/>
+        </p:nvSpPr>
+        <p:spPr>
+          <a:xfrm>
+            <a:off x="8133521" y="3874308"/>
+            <a:ext cx="2286000" cy="1023730"/>
+          </a:xfrm>
+          <a:prstGeom prst="rect">
+            <a:avLst/>
+          </a:prstGeom>
+        </p:spPr>
+        <p:style>
+          <a:lnRef idx="1">
+            <a:schemeClr val="accent4"/>
+          </a:lnRef>
+          <a:fillRef idx="2">
+            <a:schemeClr val="accent4"/>
+          </a:fillRef>
+          <a:effectRef idx="1">
+            <a:schemeClr val="accent4"/>
+          </a:effectRef>
+          <a:fontRef idx="minor">
+            <a:schemeClr val="dk1"/>
+          </a:fontRef>
+        </p:style>
+        <p:txBody>
+          <a:bodyPr rtlCol="0" anchor="ctr"/>
+          <a:lstStyle/>
+          <a:p>
+            <a:pPr algn="ctr"/>
+            <a:r>
+              <a:rPr lang="en-US" dirty="0"/>
+              <a:t>Review</a:t>
+            </a:r>
+          </a:p>
+        </p:txBody>
+      </p:sp>
+      <p:cxnSp>
+        <p:nvCxnSpPr>
+          <p:cNvPr id="35" name="Connector: Elbow 34">
+            <a:extLst>
+              <a:ext uri="{FF2B5EF4-FFF2-40B4-BE49-F238E27FC236}">
+                <a16:creationId xmlns:a16="http://schemas.microsoft.com/office/drawing/2014/main" id="{2466A680-21B3-49BF-BEB9-45CD7E8F26F0}"/>
+              </a:ext>
+            </a:extLst>
+          </p:cNvPr>
+          <p:cNvCxnSpPr>
+            <a:cxnSpLocks/>
+            <a:stCxn id="14" idx="1"/>
+            <a:endCxn id="2" idx="2"/>
+          </p:cNvCxnSpPr>
+          <p:nvPr/>
+        </p:nvCxnSpPr>
+        <p:spPr>
+          <a:xfrm rot="10800000">
+            <a:off x="3113685" y="3353675"/>
+            <a:ext cx="5019837" cy="1032498"/>
+          </a:xfrm>
+          <a:prstGeom prst="bentConnector2">
+            <a:avLst/>
+          </a:prstGeom>
+          <a:ln w="38100">
+            <a:tailEnd type="triangle"/>
+          </a:ln>
+        </p:spPr>
+        <p:style>
+          <a:lnRef idx="1">
+            <a:schemeClr val="dk1"/>
+          </a:lnRef>
+          <a:fillRef idx="0">
+            <a:schemeClr val="dk1"/>
+          </a:fillRef>
+          <a:effectRef idx="0">
+            <a:schemeClr val="dk1"/>
+          </a:effectRef>
+          <a:fontRef idx="minor">
+            <a:schemeClr val="tx1"/>
+          </a:fontRef>
+        </p:style>
+      </p:cxnSp>
+      <p:cxnSp>
+        <p:nvCxnSpPr>
+          <p:cNvPr id="40" name="Connector: Elbow 39">
+            <a:extLst>
+              <a:ext uri="{FF2B5EF4-FFF2-40B4-BE49-F238E27FC236}">
+                <a16:creationId xmlns:a16="http://schemas.microsoft.com/office/drawing/2014/main" id="{8E25BC9F-187B-4743-83D1-747870C448DA}"/>
+              </a:ext>
+            </a:extLst>
+          </p:cNvPr>
+          <p:cNvCxnSpPr>
+            <a:cxnSpLocks/>
+            <a:endCxn id="14" idx="2"/>
+          </p:cNvCxnSpPr>
+          <p:nvPr/>
+        </p:nvCxnSpPr>
+        <p:spPr>
+          <a:xfrm>
+            <a:off x="2385391" y="3353675"/>
+            <a:ext cx="6891130" cy="1544363"/>
+          </a:xfrm>
+          <a:prstGeom prst="bentConnector4">
+            <a:avLst>
+              <a:gd name="adj1" fmla="val 25"/>
+              <a:gd name="adj2" fmla="val 114802"/>
+            </a:avLst>
+          </a:prstGeom>
+          <a:ln w="38100">
+            <a:tailEnd type="triangle"/>
+          </a:ln>
+        </p:spPr>
+        <p:style>
+          <a:lnRef idx="1">
+            <a:schemeClr val="dk1"/>
+          </a:lnRef>
+          <a:fillRef idx="0">
+            <a:schemeClr val="dk1"/>
+          </a:fillRef>
+          <a:effectRef idx="0">
+            <a:schemeClr val="dk1"/>
+          </a:effectRef>
+          <a:fontRef idx="minor">
+            <a:schemeClr val="tx1"/>
+          </a:fontRef>
+        </p:style>
+      </p:cxnSp>
+      <p:sp>
+        <p:nvSpPr>
+          <p:cNvPr id="49" name="TextBox 48">
+            <a:extLst>
+              <a:ext uri="{FF2B5EF4-FFF2-40B4-BE49-F238E27FC236}">
+                <a16:creationId xmlns:a16="http://schemas.microsoft.com/office/drawing/2014/main" id="{C350E2C6-0702-46D9-958A-62CF833605A5}"/>
+              </a:ext>
+            </a:extLst>
+          </p:cNvPr>
+          <p:cNvSpPr txBox="1"/>
+          <p:nvPr/>
+        </p:nvSpPr>
+        <p:spPr>
+          <a:xfrm>
+            <a:off x="4080681" y="2329945"/>
+            <a:ext cx="3834589" cy="369332"/>
+          </a:xfrm>
+          <a:prstGeom prst="rect">
+            <a:avLst/>
+          </a:prstGeom>
+          <a:noFill/>
+        </p:spPr>
+        <p:txBody>
+          <a:bodyPr wrap="square" rtlCol="0">
+            <a:spAutoFit/>
+          </a:bodyPr>
+          <a:lstStyle/>
+          <a:p>
+            <a:pPr algn="ctr"/>
+            <a:r>
+              <a:rPr lang="en-US" dirty="0"/>
+              <a:t>2. Return list of closed bookings </a:t>
+            </a:r>
+          </a:p>
+        </p:txBody>
+      </p:sp>
+      <p:sp>
+        <p:nvSpPr>
+          <p:cNvPr id="54" name="TextBox 53">
+            <a:extLst>
+              <a:ext uri="{FF2B5EF4-FFF2-40B4-BE49-F238E27FC236}">
+                <a16:creationId xmlns:a16="http://schemas.microsoft.com/office/drawing/2014/main" id="{D8D9CAEE-E9CE-45C7-8715-2EDC8CB62254}"/>
+              </a:ext>
+            </a:extLst>
+          </p:cNvPr>
+          <p:cNvSpPr txBox="1"/>
+          <p:nvPr/>
+        </p:nvSpPr>
+        <p:spPr>
+          <a:xfrm>
+            <a:off x="2901239" y="5145590"/>
+            <a:ext cx="4884823" cy="1200329"/>
+          </a:xfrm>
+          <a:prstGeom prst="rect">
+            <a:avLst/>
+          </a:prstGeom>
+          <a:noFill/>
+        </p:spPr>
+        <p:txBody>
+          <a:bodyPr wrap="square" rtlCol="0">
+            <a:spAutoFit/>
+          </a:bodyPr>
+          <a:lstStyle/>
+          <a:p>
+            <a:pPr algn="ctr"/>
+            <a:r>
+              <a:rPr lang="en-US" dirty="0"/>
+              <a:t>3. Create a review for the booking</a:t>
+            </a:r>
+          </a:p>
+          <a:p>
+            <a:pPr algn="ctr"/>
+            <a:r>
+              <a:rPr lang="en-US" dirty="0"/>
+              <a:t>{</a:t>
+            </a:r>
+            <a:r>
+              <a:rPr lang="en-US" dirty="0" err="1"/>
+              <a:t>booking_id</a:t>
+            </a:r>
+            <a:r>
+              <a:rPr lang="en-US" dirty="0"/>
+              <a:t>, </a:t>
+            </a:r>
+            <a:r>
+              <a:rPr lang="en-US" dirty="0" err="1"/>
+              <a:t>review_star</a:t>
+            </a:r>
+            <a:r>
+              <a:rPr lang="en-US" dirty="0"/>
+              <a:t>, </a:t>
+            </a:r>
+            <a:r>
+              <a:rPr lang="en-US" dirty="0" err="1"/>
+              <a:t>review_comment</a:t>
+            </a:r>
+            <a:r>
+              <a:rPr lang="en-US" dirty="0"/>
+              <a:t>}</a:t>
+            </a:r>
+          </a:p>
+          <a:p>
+            <a:pPr algn="ctr"/>
+            <a:r>
+              <a:rPr lang="en-US" dirty="0"/>
+              <a:t>[POST]</a:t>
+            </a:r>
+          </a:p>
+          <a:p>
+            <a:pPr algn="ctr"/>
+            <a:endParaRPr lang="en-US" dirty="0"/>
+          </a:p>
+        </p:txBody>
+      </p:sp>
+      <p:sp>
+        <p:nvSpPr>
+          <p:cNvPr id="55" name="TextBox 54">
+            <a:extLst>
+              <a:ext uri="{FF2B5EF4-FFF2-40B4-BE49-F238E27FC236}">
+                <a16:creationId xmlns:a16="http://schemas.microsoft.com/office/drawing/2014/main" id="{726936F3-1325-45D4-9130-4B889CE85580}"/>
+              </a:ext>
+            </a:extLst>
+          </p:cNvPr>
+          <p:cNvSpPr txBox="1"/>
+          <p:nvPr/>
+        </p:nvSpPr>
+        <p:spPr>
+          <a:xfrm>
+            <a:off x="3488195" y="3924393"/>
+            <a:ext cx="3834589" cy="369332"/>
+          </a:xfrm>
+          <a:prstGeom prst="rect">
+            <a:avLst/>
+          </a:prstGeom>
+          <a:noFill/>
+        </p:spPr>
+        <p:txBody>
+          <a:bodyPr wrap="square" rtlCol="0">
+            <a:spAutoFit/>
+          </a:bodyPr>
+          <a:lstStyle/>
+          <a:p>
+            <a:pPr algn="ctr"/>
+            <a:r>
+              <a:rPr lang="en-US" dirty="0"/>
+              <a:t>4. Return review creation status</a:t>
+            </a:r>
+          </a:p>
+        </p:txBody>
+      </p:sp>
+    </p:spTree>
+    <p:extLst>
+      <p:ext uri="{BB962C8B-B14F-4D97-AF65-F5344CB8AC3E}">
+        <p14:creationId xmlns:p14="http://schemas.microsoft.com/office/powerpoint/2010/main" val="826478959"/>
+      </p:ext>
+    </p:extLst>
+  </p:cSld>
+  <p:clrMapOvr>
+    <a:masterClrMapping/>
+  </p:clrMapOvr>
+</p:sld>
+</file>
+
 <file path=ppt/theme/theme1.xml><?xml version="1.0" encoding="utf-8"?>
 <a:theme xmlns:a="http://schemas.openxmlformats.org/drawingml/2006/main" name="Office Theme">
   <a:themeElements>
